--- a/Week 0 - Content and Instructions/Week_0_Content_and_Instructions.pptx
+++ b/Week 0 - Content and Instructions/Week_0_Content_and_Instructions.pptx
@@ -5,16 +5,17 @@
     <p:sldMasterId id="2147483660" r:id="rId1"/>
   </p:sldMasterIdLst>
   <p:notesMasterIdLst>
-    <p:notesMasterId r:id="rId9"/>
+    <p:notesMasterId r:id="rId10"/>
   </p:notesMasterIdLst>
   <p:sldIdLst>
     <p:sldId id="267" r:id="rId2"/>
     <p:sldId id="257" r:id="rId3"/>
     <p:sldId id="277" r:id="rId4"/>
-    <p:sldId id="258" r:id="rId5"/>
-    <p:sldId id="285" r:id="rId6"/>
-    <p:sldId id="274" r:id="rId7"/>
-    <p:sldId id="283" r:id="rId8"/>
+    <p:sldId id="286" r:id="rId5"/>
+    <p:sldId id="258" r:id="rId6"/>
+    <p:sldId id="285" r:id="rId7"/>
+    <p:sldId id="274" r:id="rId8"/>
+    <p:sldId id="283" r:id="rId9"/>
   </p:sldIdLst>
   <p:sldSz cx="9144000" cy="6858000" type="screen4x3"/>
   <p:notesSz cx="6858000" cy="9144000"/>
@@ -203,7 +204,7 @@
           <a:p>
             <a:fld id="{C0DB4203-FCE6-4DB9-8B82-6DDA69D645A0}" type="datetimeFigureOut">
               <a:rPr lang="en-ZA" smtClean="0"/>
-              <a:t>2023/05/09</a:t>
+              <a:t>23 May 2023</a:t>
             </a:fld>
             <a:endParaRPr lang="en-ZA"/>
           </a:p>
@@ -3713,76 +3714,26 @@
               </a:tabLst>
             </a:pPr>
             <a:r>
-              <a:rPr lang="en-ZA" sz="1600" b="0" i="0" dirty="0">
-                <a:solidFill>
-                  <a:srgbClr val="212121"/>
-                </a:solidFill>
-                <a:effectLst/>
-                <a:latin typeface="Helvetica" panose="020B0604020202020204" pitchFamily="34" charset="0"/>
-              </a:rPr>
-              <a:t>By following the provided Live Scripts:</a:t>
-            </a:r>
-          </a:p>
-          <a:p>
-            <a:pPr marL="0" indent="0">
-              <a:lnSpc>
-                <a:spcPct val="150000"/>
-              </a:lnSpc>
-              <a:buNone/>
-              <a:tabLst>
-                <a:tab pos="269875" algn="l"/>
-                <a:tab pos="355600" algn="l"/>
-                <a:tab pos="625475" algn="l"/>
-              </a:tabLst>
-            </a:pPr>
-            <a:r>
-              <a:rPr lang="en-ZA" sz="1600" b="0" i="0" dirty="0">
-                <a:solidFill>
-                  <a:srgbClr val="212121"/>
-                </a:solidFill>
-                <a:effectLst/>
-                <a:latin typeface="Helvetica" panose="020B0604020202020204" pitchFamily="34" charset="0"/>
-              </a:rPr>
-              <a:t>			Begin by opening the introductory Live Script below and follow th</a:t>
-            </a:r>
-            <a:r>
               <a:rPr lang="en-ZA" sz="1600" dirty="0">
                 <a:solidFill>
                   <a:srgbClr val="212121"/>
                 </a:solidFill>
                 <a:latin typeface="Helvetica" panose="020B0604020202020204" pitchFamily="34" charset="0"/>
               </a:rPr>
-              <a:t>e Live Script</a:t>
-            </a:r>
-            <a:endParaRPr lang="en-ZA" sz="1600" b="0" i="0" dirty="0">
-              <a:solidFill>
-                <a:srgbClr val="212121"/>
-              </a:solidFill>
-              <a:effectLst/>
-              <a:latin typeface="Helvetica" panose="020B0604020202020204" pitchFamily="34" charset="0"/>
-            </a:endParaRPr>
-          </a:p>
-          <a:p>
-            <a:pPr lvl="2">
+              <a:t>Click on the Open in MATLAB Online to access the content online in your web browser </a:t>
+            </a:r>
+          </a:p>
+          <a:p>
+            <a:pPr marL="342900" indent="-342900">
               <a:lnSpc>
                 <a:spcPct val="150000"/>
               </a:lnSpc>
+              <a:buFont typeface="+mj-lt"/>
+              <a:buAutoNum type="arabicPeriod"/>
               <a:tabLst>
                 <a:tab pos="269875" algn="l"/>
-                <a:tab pos="355600" algn="l"/>
               </a:tabLst>
             </a:pPr>
-            <a:r>
-              <a:rPr lang="en-ZA" sz="1600" b="0" i="0" dirty="0">
-                <a:solidFill>
-                  <a:srgbClr val="212121"/>
-                </a:solidFill>
-                <a:effectLst/>
-                <a:latin typeface="Helvetica" panose="020B0604020202020204" pitchFamily="34" charset="0"/>
-                <a:hlinkClick r:id="rId2" action="ppaction://hlinkfile"/>
-              </a:rPr>
-              <a:t>Week_0_Contents_and_instructions.mlx</a:t>
-            </a:r>
             <a:endParaRPr lang="en-ZA" sz="1600" dirty="0">
               <a:solidFill>
                 <a:srgbClr val="212121"/>
@@ -3858,7 +3809,7 @@
                 </a:solidFill>
                 <a:effectLst/>
                 <a:latin typeface="Helvetica" panose="020B0604020202020204" pitchFamily="34" charset="0"/>
-                <a:hlinkClick r:id="rId3" action="ppaction://hlinkpres?slideindex=1&amp;slidetitle="/>
+                <a:hlinkClick r:id="rId2" action="ppaction://hlinkpres?slideindex=1&amp;slidetitle="/>
               </a:rPr>
               <a:t>Week_0_Contents_and_instructions.pptx</a:t>
             </a:r>
@@ -4030,7 +3981,7 @@
       <p:pic>
         <p:nvPicPr>
           <p:cNvPr id="7" name="Graphic 6" descr="Chevron arrows with solid fill">
-            <a:hlinkClick r:id="rId4" action="ppaction://hlinksldjump"/>
+            <a:hlinkClick r:id="rId3" action="ppaction://hlinksldjump"/>
             <a:extLst>
               <a:ext uri="{FF2B5EF4-FFF2-40B4-BE49-F238E27FC236}">
                 <a16:creationId xmlns:a16="http://schemas.microsoft.com/office/drawing/2014/main" id="{5790D4C9-6133-76D0-5410-0538AB19633E}"/>
@@ -4043,13 +3994,13 @@
           <p:nvPr/>
         </p:nvPicPr>
         <p:blipFill>
-          <a:blip r:embed="rId5">
+          <a:blip r:embed="rId4">
             <a:extLst>
               <a:ext uri="{28A0092B-C50C-407E-A947-70E740481C1C}">
                 <a14:useLocalDpi xmlns:a14="http://schemas.microsoft.com/office/drawing/2010/main" val="0"/>
               </a:ext>
               <a:ext uri="{96DAC541-7B7A-43D3-8B79-37D633B846F1}">
-                <asvg:svgBlip xmlns:asvg="http://schemas.microsoft.com/office/drawing/2016/SVG/main" r:embed="rId6"/>
+                <asvg:svgBlip xmlns:asvg="http://schemas.microsoft.com/office/drawing/2016/SVG/main" r:embed="rId5"/>
               </a:ext>
             </a:extLst>
           </a:blip>
@@ -4061,6 +4012,43 @@
           <a:xfrm rot="5400000">
             <a:off x="8742243" y="6343236"/>
             <a:ext cx="360000" cy="360000"/>
+          </a:xfrm>
+          <a:prstGeom prst="rect">
+            <a:avLst/>
+          </a:prstGeom>
+        </p:spPr>
+      </p:pic>
+      <p:pic>
+        <p:nvPicPr>
+          <p:cNvPr id="9" name="Picture 8" descr="A blue rectangle with white text&#10;&#10;Description automatically generated with medium confidence">
+            <a:hlinkClick r:id="rId6"/>
+            <a:extLst>
+              <a:ext uri="{FF2B5EF4-FFF2-40B4-BE49-F238E27FC236}">
+                <a16:creationId xmlns:a16="http://schemas.microsoft.com/office/drawing/2014/main" id="{AD320DFC-D18E-22C5-F5CE-39BD9ACBE086}"/>
+              </a:ext>
+            </a:extLst>
+          </p:cNvPr>
+          <p:cNvPicPr>
+            <a:picLocks noChangeAspect="1"/>
+          </p:cNvPicPr>
+          <p:nvPr/>
+        </p:nvPicPr>
+        <p:blipFill>
+          <a:blip r:embed="rId7">
+            <a:extLst>
+              <a:ext uri="{28A0092B-C50C-407E-A947-70E740481C1C}">
+                <a14:useLocalDpi xmlns:a14="http://schemas.microsoft.com/office/drawing/2010/main" val="0"/>
+              </a:ext>
+            </a:extLst>
+          </a:blip>
+          <a:stretch>
+            <a:fillRect/>
+          </a:stretch>
+        </p:blipFill>
+        <p:spPr>
+          <a:xfrm>
+            <a:off x="3237003" y="2504114"/>
+            <a:ext cx="2475001" cy="396000"/>
           </a:xfrm>
           <a:prstGeom prst="rect">
             <a:avLst/>
@@ -4514,6 +4502,347 @@
           </a:bodyPr>
           <a:lstStyle/>
           <a:p>
+            <a:pPr algn="ctr">
+              <a:spcBef>
+                <a:spcPts val="700"/>
+              </a:spcBef>
+              <a:spcAft>
+                <a:spcPts val="700"/>
+              </a:spcAft>
+            </a:pPr>
+            <a:r>
+              <a:rPr lang="en-ZA" sz="3200" b="1" kern="0" dirty="0">
+                <a:effectLst/>
+                <a:latin typeface="Helvetica" panose="020B0604020202020204" pitchFamily="34" charset="0"/>
+                <a:ea typeface="Times New Roman" panose="02020603050405020304" pitchFamily="18" charset="0"/>
+                <a:cs typeface="Times New Roman" panose="02020603050405020304" pitchFamily="18" charset="0"/>
+              </a:rPr>
+              <a:t>Description of Content</a:t>
+            </a:r>
+          </a:p>
+        </p:txBody>
+      </p:sp>
+      <p:sp>
+        <p:nvSpPr>
+          <p:cNvPr id="3" name="Content Placeholder 2">
+            <a:extLst>
+              <a:ext uri="{FF2B5EF4-FFF2-40B4-BE49-F238E27FC236}">
+                <a16:creationId xmlns:a16="http://schemas.microsoft.com/office/drawing/2014/main" id="{2973925E-A732-6BBA-E3F4-6F3FB54599AA}"/>
+              </a:ext>
+            </a:extLst>
+          </p:cNvPr>
+          <p:cNvSpPr>
+            <a:spLocks noGrp="1"/>
+          </p:cNvSpPr>
+          <p:nvPr>
+            <p:ph idx="1"/>
+          </p:nvPr>
+        </p:nvSpPr>
+        <p:spPr>
+          <a:xfrm>
+            <a:off x="465023" y="1276983"/>
+            <a:ext cx="8229600" cy="5112000"/>
+          </a:xfrm>
+        </p:spPr>
+        <p:txBody>
+          <a:bodyPr>
+            <a:noAutofit/>
+          </a:bodyPr>
+          <a:lstStyle/>
+          <a:p>
+            <a:pPr marL="0" indent="0" algn="just">
+              <a:lnSpc>
+                <a:spcPct val="107000"/>
+              </a:lnSpc>
+              <a:spcAft>
+                <a:spcPts val="800"/>
+              </a:spcAft>
+              <a:buNone/>
+            </a:pPr>
+            <a:r>
+              <a:rPr lang="en-ZA" sz="1600" b="1" kern="100" dirty="0">
+                <a:effectLst/>
+                <a:latin typeface="Calibri" panose="020F0502020204030204" pitchFamily="34" charset="0"/>
+                <a:ea typeface="Calibri" panose="020F0502020204030204" pitchFamily="34" charset="0"/>
+                <a:cs typeface="Times New Roman" panose="02020603050405020304" pitchFamily="18" charset="0"/>
+              </a:rPr>
+              <a:t>Important points to take note</a:t>
+            </a:r>
+            <a:r>
+              <a:rPr lang="en-ZA" sz="1600" kern="100" dirty="0">
+                <a:effectLst/>
+                <a:latin typeface="Calibri" panose="020F0502020204030204" pitchFamily="34" charset="0"/>
+                <a:ea typeface="Calibri" panose="020F0502020204030204" pitchFamily="34" charset="0"/>
+                <a:cs typeface="Times New Roman" panose="02020603050405020304" pitchFamily="18" charset="0"/>
+              </a:rPr>
+              <a:t> </a:t>
+            </a:r>
+          </a:p>
+          <a:p>
+            <a:pPr algn="just">
+              <a:lnSpc>
+                <a:spcPct val="107000"/>
+              </a:lnSpc>
+              <a:spcAft>
+                <a:spcPts val="800"/>
+              </a:spcAft>
+            </a:pPr>
+            <a:r>
+              <a:rPr lang="en-ZA" sz="1600" kern="100" dirty="0">
+                <a:effectLst/>
+                <a:latin typeface="Calibri" panose="020F0502020204030204" pitchFamily="34" charset="0"/>
+                <a:ea typeface="Calibri" panose="020F0502020204030204" pitchFamily="34" charset="0"/>
+                <a:cs typeface="Times New Roman" panose="02020603050405020304" pitchFamily="18" charset="0"/>
+              </a:rPr>
+              <a:t>For every week there is a set of MATLAB Grader exercises divided into two levels of complexity. These exercises are not given and can be shared only upon request.</a:t>
+            </a:r>
+          </a:p>
+          <a:p>
+            <a:pPr algn="just">
+              <a:lnSpc>
+                <a:spcPct val="107000"/>
+              </a:lnSpc>
+              <a:spcAft>
+                <a:spcPts val="800"/>
+              </a:spcAft>
+            </a:pPr>
+            <a:r>
+              <a:rPr lang="en-ZA" sz="1600" kern="100" dirty="0">
+                <a:effectLst/>
+                <a:latin typeface="Calibri" panose="020F0502020204030204" pitchFamily="34" charset="0"/>
+                <a:ea typeface="Calibri" panose="020F0502020204030204" pitchFamily="34" charset="0"/>
+                <a:cs typeface="Times New Roman" panose="02020603050405020304" pitchFamily="18" charset="0"/>
+              </a:rPr>
+              <a:t>The content has been fully embedded into a Learning Management System, aka LMS, that for the particular course held at the University of the Witwatersrand is </a:t>
+            </a:r>
+            <a:r>
+              <a:rPr lang="en-ZA" sz="1600" kern="100" dirty="0" err="1">
+                <a:effectLst/>
+                <a:latin typeface="Calibri" panose="020F0502020204030204" pitchFamily="34" charset="0"/>
+                <a:ea typeface="Calibri" panose="020F0502020204030204" pitchFamily="34" charset="0"/>
+                <a:cs typeface="Times New Roman" panose="02020603050405020304" pitchFamily="18" charset="0"/>
+              </a:rPr>
+              <a:t>Ulwazi</a:t>
+            </a:r>
+            <a:r>
+              <a:rPr lang="en-ZA" sz="1600" kern="100" dirty="0">
+                <a:effectLst/>
+                <a:latin typeface="Calibri" panose="020F0502020204030204" pitchFamily="34" charset="0"/>
+                <a:ea typeface="Calibri" panose="020F0502020204030204" pitchFamily="34" charset="0"/>
+                <a:cs typeface="Times New Roman" panose="02020603050405020304" pitchFamily="18" charset="0"/>
+              </a:rPr>
+              <a:t> (an LMS based in Canvas). In fact, MATLAB content as well as MATLAB Grader problems, can be easily integrated into Canvas and many other LMS like Moodle, D2L Brightspace, Sakai, Blackboard, etc.</a:t>
+            </a:r>
+          </a:p>
+          <a:p>
+            <a:pPr algn="just">
+              <a:lnSpc>
+                <a:spcPct val="107000"/>
+              </a:lnSpc>
+              <a:spcAft>
+                <a:spcPts val="800"/>
+              </a:spcAft>
+            </a:pPr>
+            <a:r>
+              <a:rPr lang="en-ZA" sz="1600" kern="100" dirty="0">
+                <a:effectLst/>
+                <a:latin typeface="Calibri" panose="020F0502020204030204" pitchFamily="34" charset="0"/>
+                <a:ea typeface="Calibri" panose="020F0502020204030204" pitchFamily="34" charset="0"/>
+                <a:cs typeface="Times New Roman" panose="02020603050405020304" pitchFamily="18" charset="0"/>
+              </a:rPr>
+              <a:t>The University of the Witwatersrand has a Campus Wide License which enables every staff members, students, and visitors to use the full suite of MATLAB products. This makes easy access to the tools to every students from everywhere in the world. Students can use MATLAB directly in the web browser with MATLAB Online which is connected to MATLAB Drive, which gives every students 20Gb of space in the cloud.</a:t>
+            </a:r>
+          </a:p>
+        </p:txBody>
+      </p:sp>
+      <p:sp>
+        <p:nvSpPr>
+          <p:cNvPr id="4" name="Date Placeholder 3">
+            <a:extLst>
+              <a:ext uri="{FF2B5EF4-FFF2-40B4-BE49-F238E27FC236}">
+                <a16:creationId xmlns:a16="http://schemas.microsoft.com/office/drawing/2014/main" id="{56ADBF9A-D8F1-54DE-247D-A1906330B154}"/>
+              </a:ext>
+            </a:extLst>
+          </p:cNvPr>
+          <p:cNvSpPr>
+            <a:spLocks noGrp="1"/>
+          </p:cNvSpPr>
+          <p:nvPr>
+            <p:ph type="dt" sz="half" idx="10"/>
+          </p:nvPr>
+        </p:nvSpPr>
+        <p:spPr/>
+        <p:txBody>
+          <a:bodyPr/>
+          <a:lstStyle/>
+          <a:p>
+            <a:r>
+              <a:rPr lang="en-ZA"/>
+              <a:t>© 2023</a:t>
+            </a:r>
+          </a:p>
+        </p:txBody>
+      </p:sp>
+      <p:sp>
+        <p:nvSpPr>
+          <p:cNvPr id="5" name="Footer Placeholder 4">
+            <a:extLst>
+              <a:ext uri="{FF2B5EF4-FFF2-40B4-BE49-F238E27FC236}">
+                <a16:creationId xmlns:a16="http://schemas.microsoft.com/office/drawing/2014/main" id="{5936A7A2-8014-E15E-9E2A-BF8571E84C5C}"/>
+              </a:ext>
+            </a:extLst>
+          </p:cNvPr>
+          <p:cNvSpPr>
+            <a:spLocks noGrp="1"/>
+          </p:cNvSpPr>
+          <p:nvPr>
+            <p:ph type="ftr" sz="quarter" idx="11"/>
+          </p:nvPr>
+        </p:nvSpPr>
+        <p:spPr>
+          <a:xfrm>
+            <a:off x="1702340" y="6356351"/>
+            <a:ext cx="5739320" cy="365125"/>
+          </a:xfrm>
+        </p:spPr>
+        <p:txBody>
+          <a:bodyPr/>
+          <a:lstStyle/>
+          <a:p>
+            <a:r>
+              <a:rPr lang="en-ZA" dirty="0"/>
+              <a:t>Introduction to Programming in MATLAB (0), Course Content &amp; Instructions</a:t>
+            </a:r>
+          </a:p>
+        </p:txBody>
+      </p:sp>
+      <p:sp>
+        <p:nvSpPr>
+          <p:cNvPr id="6" name="Slide Number Placeholder 5">
+            <a:extLst>
+              <a:ext uri="{FF2B5EF4-FFF2-40B4-BE49-F238E27FC236}">
+                <a16:creationId xmlns:a16="http://schemas.microsoft.com/office/drawing/2014/main" id="{FEFFEF77-192D-330A-86F6-1D14A34B4196}"/>
+              </a:ext>
+            </a:extLst>
+          </p:cNvPr>
+          <p:cNvSpPr>
+            <a:spLocks noGrp="1"/>
+          </p:cNvSpPr>
+          <p:nvPr>
+            <p:ph type="sldNum" sz="quarter" idx="12"/>
+          </p:nvPr>
+        </p:nvSpPr>
+        <p:spPr/>
+        <p:txBody>
+          <a:bodyPr/>
+          <a:lstStyle/>
+          <a:p>
+            <a:fld id="{8E879589-9FEC-43B1-934F-2F583260BE26}" type="slidenum">
+              <a:rPr lang="en-ZA" smtClean="0"/>
+              <a:t>4</a:t>
+            </a:fld>
+            <a:endParaRPr lang="en-ZA"/>
+          </a:p>
+        </p:txBody>
+      </p:sp>
+      <p:pic>
+        <p:nvPicPr>
+          <p:cNvPr id="8" name="Graphic 7" descr="Chevron arrows with solid fill">
+            <a:hlinkClick r:id="rId2" action="ppaction://hlinksldjump"/>
+            <a:extLst>
+              <a:ext uri="{FF2B5EF4-FFF2-40B4-BE49-F238E27FC236}">
+                <a16:creationId xmlns:a16="http://schemas.microsoft.com/office/drawing/2014/main" id="{1F002A06-F151-314C-1238-1D8A9BA8AECC}"/>
+              </a:ext>
+            </a:extLst>
+          </p:cNvPr>
+          <p:cNvPicPr>
+            <a:picLocks noChangeAspect="1"/>
+          </p:cNvPicPr>
+          <p:nvPr/>
+        </p:nvPicPr>
+        <p:blipFill>
+          <a:blip r:embed="rId3">
+            <a:extLst>
+              <a:ext uri="{28A0092B-C50C-407E-A947-70E740481C1C}">
+                <a14:useLocalDpi xmlns:a14="http://schemas.microsoft.com/office/drawing/2010/main" val="0"/>
+              </a:ext>
+              <a:ext uri="{96DAC541-7B7A-43D3-8B79-37D633B846F1}">
+                <asvg:svgBlip xmlns:asvg="http://schemas.microsoft.com/office/drawing/2016/SVG/main" r:embed="rId4"/>
+              </a:ext>
+            </a:extLst>
+          </a:blip>
+          <a:stretch>
+            <a:fillRect/>
+          </a:stretch>
+        </p:blipFill>
+        <p:spPr>
+          <a:xfrm rot="5400000">
+            <a:off x="8742243" y="6343236"/>
+            <a:ext cx="360000" cy="360000"/>
+          </a:xfrm>
+          <a:prstGeom prst="rect">
+            <a:avLst/>
+          </a:prstGeom>
+        </p:spPr>
+      </p:pic>
+    </p:spTree>
+    <p:extLst>
+      <p:ext uri="{BB962C8B-B14F-4D97-AF65-F5344CB8AC3E}">
+        <p14:creationId xmlns:p14="http://schemas.microsoft.com/office/powerpoint/2010/main" val="2684229015"/>
+      </p:ext>
+    </p:extLst>
+  </p:cSld>
+  <p:clrMapOvr>
+    <a:masterClrMapping/>
+  </p:clrMapOvr>
+</p:sld>
+</file>
+
+<file path=ppt/slides/slide5.xml><?xml version="1.0" encoding="utf-8"?>
+<p:sld xmlns:a="http://schemas.openxmlformats.org/drawingml/2006/main" xmlns:r="http://schemas.openxmlformats.org/officeDocument/2006/relationships" xmlns:p="http://schemas.openxmlformats.org/presentationml/2006/main">
+  <p:cSld>
+    <p:spTree>
+      <p:nvGrpSpPr>
+        <p:cNvPr id="1" name=""/>
+        <p:cNvGrpSpPr/>
+        <p:nvPr/>
+      </p:nvGrpSpPr>
+      <p:grpSpPr>
+        <a:xfrm>
+          <a:off x="0" y="0"/>
+          <a:ext cx="0" cy="0"/>
+          <a:chOff x="0" y="0"/>
+          <a:chExt cx="0" cy="0"/>
+        </a:xfrm>
+      </p:grpSpPr>
+      <p:sp>
+        <p:nvSpPr>
+          <p:cNvPr id="2" name="Title 1">
+            <a:extLst>
+              <a:ext uri="{FF2B5EF4-FFF2-40B4-BE49-F238E27FC236}">
+                <a16:creationId xmlns:a16="http://schemas.microsoft.com/office/drawing/2014/main" id="{F64C6983-72D4-5B1B-B0E4-CE7065248827}"/>
+              </a:ext>
+            </a:extLst>
+          </p:cNvPr>
+          <p:cNvSpPr>
+            <a:spLocks noGrp="1"/>
+          </p:cNvSpPr>
+          <p:nvPr>
+            <p:ph type="title"/>
+          </p:nvPr>
+        </p:nvSpPr>
+        <p:spPr>
+          <a:xfrm>
+            <a:off x="628650" y="365126"/>
+            <a:ext cx="7886700" cy="777600"/>
+          </a:xfrm>
+        </p:spPr>
+        <p:txBody>
+          <a:bodyPr>
+            <a:noAutofit/>
+          </a:bodyPr>
+          <a:lstStyle/>
+          <a:p>
             <a:pPr algn="ctr"/>
             <a:r>
               <a:rPr lang="en-ZA" sz="3200" b="1" dirty="0">
@@ -9023,7 +9352,7 @@
           <a:p>
             <a:fld id="{8E879589-9FEC-43B1-934F-2F583260BE26}" type="slidenum">
               <a:rPr lang="en-ZA" smtClean="0"/>
-              <a:t>4</a:t>
+              <a:t>5</a:t>
             </a:fld>
             <a:endParaRPr lang="en-ZA"/>
           </a:p>
@@ -9082,7 +9411,7 @@
 </p:sld>
 </file>
 
-<file path=ppt/slides/slide5.xml><?xml version="1.0" encoding="utf-8"?>
+<file path=ppt/slides/slide6.xml><?xml version="1.0" encoding="utf-8"?>
 <p:sld xmlns:a="http://schemas.openxmlformats.org/drawingml/2006/main" xmlns:r="http://schemas.openxmlformats.org/officeDocument/2006/relationships" xmlns:p="http://schemas.openxmlformats.org/presentationml/2006/main">
   <p:cSld>
     <p:spTree>
@@ -11110,7 +11439,7 @@
           <a:p>
             <a:fld id="{8E879589-9FEC-43B1-934F-2F583260BE26}" type="slidenum">
               <a:rPr lang="en-ZA" smtClean="0"/>
-              <a:t>5</a:t>
+              <a:t>6</a:t>
             </a:fld>
             <a:endParaRPr lang="en-ZA"/>
           </a:p>
@@ -11169,7 +11498,7 @@
 </p:sld>
 </file>
 
-<file path=ppt/slides/slide6.xml><?xml version="1.0" encoding="utf-8"?>
+<file path=ppt/slides/slide7.xml><?xml version="1.0" encoding="utf-8"?>
 <p:sld xmlns:a="http://schemas.openxmlformats.org/drawingml/2006/main" xmlns:r="http://schemas.openxmlformats.org/officeDocument/2006/relationships" xmlns:p="http://schemas.openxmlformats.org/presentationml/2006/main">
   <p:cSld>
     <p:spTree>
@@ -11667,7 +11996,7 @@
           <a:p>
             <a:fld id="{8E879589-9FEC-43B1-934F-2F583260BE26}" type="slidenum">
               <a:rPr lang="en-ZA" smtClean="0"/>
-              <a:t>6</a:t>
+              <a:t>7</a:t>
             </a:fld>
             <a:endParaRPr lang="en-ZA"/>
           </a:p>
@@ -11726,7 +12055,7 @@
 </p:sld>
 </file>
 
-<file path=ppt/slides/slide7.xml><?xml version="1.0" encoding="utf-8"?>
+<file path=ppt/slides/slide8.xml><?xml version="1.0" encoding="utf-8"?>
 <p:sld xmlns:a="http://schemas.openxmlformats.org/drawingml/2006/main" xmlns:r="http://schemas.openxmlformats.org/officeDocument/2006/relationships" xmlns:p="http://schemas.openxmlformats.org/presentationml/2006/main">
   <p:cSld>
     <p:spTree>
@@ -12338,7 +12667,7 @@
           <a:p>
             <a:fld id="{8E879589-9FEC-43B1-934F-2F583260BE26}" type="slidenum">
               <a:rPr lang="en-ZA" smtClean="0"/>
-              <a:t>7</a:t>
+              <a:t>8</a:t>
             </a:fld>
             <a:endParaRPr lang="en-ZA"/>
           </a:p>
